--- a/Orbitalik.pptx
+++ b/Orbitalik.pptx
@@ -109,6 +109,11 @@
       </a:defRPr>
     </a:lvl9pPr>
   </p:defaultTextStyle>
+  <p:extLst>
+    <p:ext uri="{EFAFB233-063F-42B5-8137-9DF3F51BA10A}">
+      <p15:sldGuideLst xmlns:p15="http://schemas.microsoft.com/office/powerpoint/2012/main"/>
+    </p:ext>
+  </p:extLst>
 </p:presentation>
 </file>
 
@@ -259,7 +264,7 @@
           <a:p>
             <a:fld id="{7C7CC3A4-33E3-4ABB-A0BD-83AC41DE20CB}" type="datetimeFigureOut">
               <a:rPr lang="ru-RU" smtClean="0"/>
-              <a:t>19.04.2024</a:t>
+              <a:t>25.04.2024</a:t>
             </a:fld>
             <a:endParaRPr lang="ru-RU"/>
           </a:p>
@@ -457,7 +462,7 @@
           <a:p>
             <a:fld id="{7C7CC3A4-33E3-4ABB-A0BD-83AC41DE20CB}" type="datetimeFigureOut">
               <a:rPr lang="ru-RU" smtClean="0"/>
-              <a:t>19.04.2024</a:t>
+              <a:t>25.04.2024</a:t>
             </a:fld>
             <a:endParaRPr lang="ru-RU"/>
           </a:p>
@@ -665,7 +670,7 @@
           <a:p>
             <a:fld id="{7C7CC3A4-33E3-4ABB-A0BD-83AC41DE20CB}" type="datetimeFigureOut">
               <a:rPr lang="ru-RU" smtClean="0"/>
-              <a:t>19.04.2024</a:t>
+              <a:t>25.04.2024</a:t>
             </a:fld>
             <a:endParaRPr lang="ru-RU"/>
           </a:p>
@@ -863,7 +868,7 @@
           <a:p>
             <a:fld id="{7C7CC3A4-33E3-4ABB-A0BD-83AC41DE20CB}" type="datetimeFigureOut">
               <a:rPr lang="ru-RU" smtClean="0"/>
-              <a:t>19.04.2024</a:t>
+              <a:t>25.04.2024</a:t>
             </a:fld>
             <a:endParaRPr lang="ru-RU"/>
           </a:p>
@@ -1138,7 +1143,7 @@
           <a:p>
             <a:fld id="{7C7CC3A4-33E3-4ABB-A0BD-83AC41DE20CB}" type="datetimeFigureOut">
               <a:rPr lang="ru-RU" smtClean="0"/>
-              <a:t>19.04.2024</a:t>
+              <a:t>25.04.2024</a:t>
             </a:fld>
             <a:endParaRPr lang="ru-RU"/>
           </a:p>
@@ -1403,7 +1408,7 @@
           <a:p>
             <a:fld id="{7C7CC3A4-33E3-4ABB-A0BD-83AC41DE20CB}" type="datetimeFigureOut">
               <a:rPr lang="ru-RU" smtClean="0"/>
-              <a:t>19.04.2024</a:t>
+              <a:t>25.04.2024</a:t>
             </a:fld>
             <a:endParaRPr lang="ru-RU"/>
           </a:p>
@@ -1815,7 +1820,7 @@
           <a:p>
             <a:fld id="{7C7CC3A4-33E3-4ABB-A0BD-83AC41DE20CB}" type="datetimeFigureOut">
               <a:rPr lang="ru-RU" smtClean="0"/>
-              <a:t>19.04.2024</a:t>
+              <a:t>25.04.2024</a:t>
             </a:fld>
             <a:endParaRPr lang="ru-RU"/>
           </a:p>
@@ -1956,7 +1961,7 @@
           <a:p>
             <a:fld id="{7C7CC3A4-33E3-4ABB-A0BD-83AC41DE20CB}" type="datetimeFigureOut">
               <a:rPr lang="ru-RU" smtClean="0"/>
-              <a:t>19.04.2024</a:t>
+              <a:t>25.04.2024</a:t>
             </a:fld>
             <a:endParaRPr lang="ru-RU"/>
           </a:p>
@@ -2069,7 +2074,7 @@
           <a:p>
             <a:fld id="{7C7CC3A4-33E3-4ABB-A0BD-83AC41DE20CB}" type="datetimeFigureOut">
               <a:rPr lang="ru-RU" smtClean="0"/>
-              <a:t>19.04.2024</a:t>
+              <a:t>25.04.2024</a:t>
             </a:fld>
             <a:endParaRPr lang="ru-RU"/>
           </a:p>
@@ -2380,7 +2385,7 @@
           <a:p>
             <a:fld id="{7C7CC3A4-33E3-4ABB-A0BD-83AC41DE20CB}" type="datetimeFigureOut">
               <a:rPr lang="ru-RU" smtClean="0"/>
-              <a:t>19.04.2024</a:t>
+              <a:t>25.04.2024</a:t>
             </a:fld>
             <a:endParaRPr lang="ru-RU"/>
           </a:p>
@@ -2668,7 +2673,7 @@
           <a:p>
             <a:fld id="{7C7CC3A4-33E3-4ABB-A0BD-83AC41DE20CB}" type="datetimeFigureOut">
               <a:rPr lang="ru-RU" smtClean="0"/>
-              <a:t>19.04.2024</a:t>
+              <a:t>25.04.2024</a:t>
             </a:fld>
             <a:endParaRPr lang="ru-RU"/>
           </a:p>
@@ -2909,7 +2914,7 @@
           <a:p>
             <a:fld id="{7C7CC3A4-33E3-4ABB-A0BD-83AC41DE20CB}" type="datetimeFigureOut">
               <a:rPr lang="ru-RU" smtClean="0"/>
-              <a:t>19.04.2024</a:t>
+              <a:t>25.04.2024</a:t>
             </a:fld>
             <a:endParaRPr lang="ru-RU"/>
           </a:p>
@@ -3654,10 +3659,10 @@
       </p:sp>
       <p:pic>
         <p:nvPicPr>
-          <p:cNvPr id="17" name="Рисунок 16">
-            <a:extLst>
-              <a:ext uri="{FF2B5EF4-FFF2-40B4-BE49-F238E27FC236}">
-                <a16:creationId xmlns:a16="http://schemas.microsoft.com/office/drawing/2014/main" id="{75679030-CF89-416C-B8F8-892029030A9D}"/>
+          <p:cNvPr id="21" name="Рисунок 20">
+            <a:extLst>
+              <a:ext uri="{FF2B5EF4-FFF2-40B4-BE49-F238E27FC236}">
+                <a16:creationId xmlns:a16="http://schemas.microsoft.com/office/drawing/2014/main" id="{FBA60C57-A9AA-4DB8-8115-BDC22B5CA975}"/>
               </a:ext>
             </a:extLst>
           </p:cNvPr>
@@ -3668,41 +3673,6 @@
         </p:nvPicPr>
         <p:blipFill>
           <a:blip r:embed="rId3"/>
-          <a:stretch>
-            <a:fillRect/>
-          </a:stretch>
-        </p:blipFill>
-        <p:spPr>
-          <a:xfrm>
-            <a:off x="5359580" y="4302523"/>
-            <a:ext cx="4944177" cy="2325428"/>
-          </a:xfrm>
-          <a:prstGeom prst="rect">
-            <a:avLst/>
-          </a:prstGeom>
-          <a:ln>
-            <a:solidFill>
-              <a:schemeClr val="tx1"/>
-            </a:solidFill>
-          </a:ln>
-        </p:spPr>
-      </p:pic>
-      <p:pic>
-        <p:nvPicPr>
-          <p:cNvPr id="21" name="Рисунок 20">
-            <a:extLst>
-              <a:ext uri="{FF2B5EF4-FFF2-40B4-BE49-F238E27FC236}">
-                <a16:creationId xmlns:a16="http://schemas.microsoft.com/office/drawing/2014/main" id="{FBA60C57-A9AA-4DB8-8115-BDC22B5CA975}"/>
-              </a:ext>
-            </a:extLst>
-          </p:cNvPr>
-          <p:cNvPicPr>
-            <a:picLocks noChangeAspect="1"/>
-          </p:cNvPicPr>
-          <p:nvPr/>
-        </p:nvPicPr>
-        <p:blipFill>
-          <a:blip r:embed="rId4"/>
           <a:stretch>
             <a:fillRect/>
           </a:stretch>
@@ -3901,6 +3871,41 @@
           </a:p>
         </p:txBody>
       </p:sp>
+      <p:pic>
+        <p:nvPicPr>
+          <p:cNvPr id="4" name="Рисунок 3">
+            <a:extLst>
+              <a:ext uri="{FF2B5EF4-FFF2-40B4-BE49-F238E27FC236}">
+                <a16:creationId xmlns:a16="http://schemas.microsoft.com/office/drawing/2014/main" id="{7142F64E-1B35-458D-8910-1939E397BD3E}"/>
+              </a:ext>
+            </a:extLst>
+          </p:cNvPr>
+          <p:cNvPicPr>
+            <a:picLocks noChangeAspect="1"/>
+          </p:cNvPicPr>
+          <p:nvPr/>
+        </p:nvPicPr>
+        <p:blipFill>
+          <a:blip r:embed="rId4"/>
+          <a:stretch>
+            <a:fillRect/>
+          </a:stretch>
+        </p:blipFill>
+        <p:spPr>
+          <a:xfrm>
+            <a:off x="5453867" y="4394847"/>
+            <a:ext cx="4755601" cy="2341867"/>
+          </a:xfrm>
+          <a:prstGeom prst="rect">
+            <a:avLst/>
+          </a:prstGeom>
+          <a:ln>
+            <a:solidFill>
+              <a:schemeClr val="tx1"/>
+            </a:solidFill>
+          </a:ln>
+        </p:spPr>
+      </p:pic>
     </p:spTree>
     <p:extLst>
       <p:ext uri="{BB962C8B-B14F-4D97-AF65-F5344CB8AC3E}">
@@ -4371,7 +4376,7 @@
         <p:spPr>
           <a:xfrm>
             <a:off x="6137709" y="1161861"/>
-            <a:ext cx="0" cy="3421301"/>
+            <a:ext cx="0" cy="2724339"/>
           </a:xfrm>
           <a:prstGeom prst="line">
             <a:avLst/>
@@ -4488,7 +4493,7 @@
         <p:spPr>
           <a:xfrm>
             <a:off x="891944" y="2274838"/>
-            <a:ext cx="4620124" cy="2308324"/>
+            <a:ext cx="4620124" cy="1477328"/>
           </a:xfrm>
           <a:prstGeom prst="rect">
             <a:avLst/>
@@ -4539,6 +4544,45 @@
               <a:t>Возможность просмотра координат спутника относительно наблюдателя (азимут, элевация, кульминация) </a:t>
             </a:r>
           </a:p>
+        </p:txBody>
+      </p:sp>
+      <p:sp>
+        <p:nvSpPr>
+          <p:cNvPr id="13" name="TextBox 12">
+            <a:extLst>
+              <a:ext uri="{FF2B5EF4-FFF2-40B4-BE49-F238E27FC236}">
+                <a16:creationId xmlns:a16="http://schemas.microsoft.com/office/drawing/2014/main" id="{2FEC08F9-FF9E-447A-90E1-1D58F3A4B432}"/>
+              </a:ext>
+            </a:extLst>
+          </p:cNvPr>
+          <p:cNvSpPr txBox="1"/>
+          <p:nvPr/>
+        </p:nvSpPr>
+        <p:spPr>
+          <a:xfrm>
+            <a:off x="6679933" y="2261937"/>
+            <a:ext cx="4860758" cy="1200329"/>
+          </a:xfrm>
+          <a:prstGeom prst="rect">
+            <a:avLst/>
+          </a:prstGeom>
+          <a:noFill/>
+        </p:spPr>
+        <p:txBody>
+          <a:bodyPr wrap="square" rtlCol="0">
+            <a:spAutoFit/>
+          </a:bodyPr>
+          <a:lstStyle/>
+          <a:p>
+            <a:pPr marL="342900" indent="-342900">
+              <a:buFont typeface="+mj-lt"/>
+              <a:buAutoNum type="arabicPeriod"/>
+            </a:pPr>
+            <a:r>
+              <a:rPr lang="ru-RU" dirty="0"/>
+              <a:t>Поиск необходимого спутника по названию </a:t>
+            </a:r>
+          </a:p>
           <a:p>
             <a:pPr marL="342900" indent="-342900">
               <a:buFont typeface="+mj-lt"/>
@@ -4553,62 +4597,6 @@
             </a:pPr>
             <a:r>
               <a:rPr lang="ru-RU" dirty="0"/>
-              <a:t>Просмотр проекции траектории спутника на небе</a:t>
-            </a:r>
-          </a:p>
-        </p:txBody>
-      </p:sp>
-      <p:sp>
-        <p:nvSpPr>
-          <p:cNvPr id="13" name="TextBox 12">
-            <a:extLst>
-              <a:ext uri="{FF2B5EF4-FFF2-40B4-BE49-F238E27FC236}">
-                <a16:creationId xmlns:a16="http://schemas.microsoft.com/office/drawing/2014/main" id="{2FEC08F9-FF9E-447A-90E1-1D58F3A4B432}"/>
-              </a:ext>
-            </a:extLst>
-          </p:cNvPr>
-          <p:cNvSpPr txBox="1"/>
-          <p:nvPr/>
-        </p:nvSpPr>
-        <p:spPr>
-          <a:xfrm>
-            <a:off x="6679933" y="2261937"/>
-            <a:ext cx="4860758" cy="1200329"/>
-          </a:xfrm>
-          <a:prstGeom prst="rect">
-            <a:avLst/>
-          </a:prstGeom>
-          <a:noFill/>
-        </p:spPr>
-        <p:txBody>
-          <a:bodyPr wrap="square" rtlCol="0">
-            <a:spAutoFit/>
-          </a:bodyPr>
-          <a:lstStyle/>
-          <a:p>
-            <a:pPr marL="342900" indent="-342900">
-              <a:buFont typeface="+mj-lt"/>
-              <a:buAutoNum type="arabicPeriod"/>
-            </a:pPr>
-            <a:r>
-              <a:rPr lang="ru-RU" dirty="0"/>
-              <a:t>Поиск необходимого спутника по названию </a:t>
-            </a:r>
-          </a:p>
-          <a:p>
-            <a:pPr marL="342900" indent="-342900">
-              <a:buFont typeface="+mj-lt"/>
-              <a:buAutoNum type="arabicPeriod"/>
-            </a:pPr>
-            <a:endParaRPr lang="ru-RU" dirty="0"/>
-          </a:p>
-          <a:p>
-            <a:pPr marL="342900" indent="-342900">
-              <a:buFont typeface="+mj-lt"/>
-              <a:buAutoNum type="arabicPeriod"/>
-            </a:pPr>
-            <a:r>
-              <a:rPr lang="ru-RU" dirty="0"/>
               <a:t>Возможность просмотра ожидаемой траектории спутника</a:t>
             </a:r>
           </a:p>
@@ -4630,7 +4618,7 @@
         </p:nvCxnSpPr>
         <p:spPr>
           <a:xfrm>
-            <a:off x="866277" y="4863370"/>
+            <a:off x="866277" y="4126770"/>
             <a:ext cx="10515600" cy="0"/>
           </a:xfrm>
           <a:prstGeom prst="line">
@@ -4667,8 +4655,8 @@
         </p:nvSpPr>
         <p:spPr>
           <a:xfrm>
-            <a:off x="838200" y="5139891"/>
-            <a:ext cx="10515600" cy="1477328"/>
+            <a:off x="838200" y="4399749"/>
+            <a:ext cx="10515600" cy="1200329"/>
           </a:xfrm>
           <a:prstGeom prst="rect">
             <a:avLst/>
@@ -4696,15 +4684,6 @@
             <a:r>
               <a:rPr lang="ru-RU" dirty="0"/>
               <a:t>Возможность скачивания текстового файла с подробной траекторией спутника</a:t>
-            </a:r>
-          </a:p>
-          <a:p>
-            <a:pPr marL="342900" indent="-342900">
-              <a:buAutoNum type="arabicPeriod"/>
-            </a:pPr>
-            <a:r>
-              <a:rPr lang="ru-RU" dirty="0"/>
-              <a:t>Возможность установки уведомлений</a:t>
             </a:r>
           </a:p>
           <a:p>
@@ -5120,7 +5099,7 @@
               <a:rPr lang="en-US" dirty="0">
                 <a:latin typeface="Consolas" panose="020B0609020204030204" pitchFamily="49" charset="0"/>
               </a:rPr>
-              <a:t>&gt;&amp;height=&lt;</a:t>
+              <a:t>&gt;&amp;alt=&lt;</a:t>
             </a:r>
             <a:r>
               <a:rPr lang="ru-RU" dirty="0">
@@ -5162,7 +5141,7 @@
               <a:rPr lang="ru-RU" dirty="0">
                 <a:latin typeface="Consolas" panose="020B0609020204030204" pitchFamily="49" charset="0"/>
               </a:rPr>
-              <a:t>время наблюдения, в часах</a:t>
+              <a:t>продолжительность наблюдения, в часах</a:t>
             </a:r>
             <a:r>
               <a:rPr lang="en-US" dirty="0">
@@ -5180,7 +5159,7 @@
             </a:pPr>
             <a:r>
               <a:rPr lang="ru-RU" dirty="0"/>
-              <a:t>Получить местоположение указанного спутника в указанное время, либо в данный момент.</a:t>
+              <a:t>Получить пролеты за указанный промежуток времени.</a:t>
             </a:r>
           </a:p>
         </p:txBody>
@@ -5282,7 +5261,7 @@
               <a:rPr lang="en-US" dirty="0" err="1">
                 <a:latin typeface="Consolas" panose="020B0609020204030204" pitchFamily="49" charset="0"/>
               </a:rPr>
-              <a:t>trajectory?lat</a:t>
+              <a:t>trajectory?sat</a:t>
             </a:r>
             <a:r>
               <a:rPr lang="en-US" dirty="0">
@@ -5294,7 +5273,7 @@
               <a:rPr lang="ru-RU" dirty="0">
                 <a:latin typeface="Consolas" panose="020B0609020204030204" pitchFamily="49" charset="0"/>
               </a:rPr>
-              <a:t>широта</a:t>
+              <a:t>название спутника</a:t>
             </a:r>
             <a:r>
               <a:rPr lang="en-US" dirty="0">
@@ -5306,7 +5285,7 @@
               <a:rPr lang="en-US" dirty="0" err="1">
                 <a:latin typeface="Consolas" panose="020B0609020204030204" pitchFamily="49" charset="0"/>
               </a:rPr>
-              <a:t>lon</a:t>
+              <a:t>lat</a:t>
             </a:r>
             <a:r>
               <a:rPr lang="en-US" dirty="0">
@@ -5318,49 +5297,73 @@
               <a:rPr lang="ru-RU" dirty="0">
                 <a:latin typeface="Consolas" panose="020B0609020204030204" pitchFamily="49" charset="0"/>
               </a:rPr>
-              <a:t>долгота</a:t>
+              <a:t>широта</a:t>
             </a:r>
             <a:r>
               <a:rPr lang="en-US" dirty="0">
                 <a:latin typeface="Consolas" panose="020B0609020204030204" pitchFamily="49" charset="0"/>
               </a:rPr>
-              <a:t>&gt;&amp;height=&lt;</a:t>
+              <a:t>&gt;&amp;</a:t>
+            </a:r>
+            <a:r>
+              <a:rPr lang="en-US" dirty="0" err="1">
+                <a:latin typeface="Consolas" panose="020B0609020204030204" pitchFamily="49" charset="0"/>
+              </a:rPr>
+              <a:t>lon</a:t>
+            </a:r>
+            <a:r>
+              <a:rPr lang="en-US" dirty="0">
+                <a:latin typeface="Consolas" panose="020B0609020204030204" pitchFamily="49" charset="0"/>
+              </a:rPr>
+              <a:t>=&lt;</a:t>
             </a:r>
             <a:r>
               <a:rPr lang="ru-RU" dirty="0">
                 <a:latin typeface="Consolas" panose="020B0609020204030204" pitchFamily="49" charset="0"/>
               </a:rPr>
-              <a:t>высота над уровнем моря</a:t>
+              <a:t>долгота</a:t>
             </a:r>
             <a:r>
               <a:rPr lang="en-US" dirty="0">
                 <a:latin typeface="Consolas" panose="020B0609020204030204" pitchFamily="49" charset="0"/>
               </a:rPr>
-              <a:t>&gt;</a:t>
+              <a:t>&gt;&amp;alt=&lt;</a:t>
             </a:r>
             <a:r>
               <a:rPr lang="ru-RU" dirty="0">
                 <a:latin typeface="Consolas" panose="020B0609020204030204" pitchFamily="49" charset="0"/>
               </a:rPr>
-              <a:t> </a:t>
+              <a:t>высота над уровнем моря</a:t>
             </a:r>
             <a:r>
               <a:rPr lang="en-US" dirty="0">
                 <a:latin typeface="Consolas" panose="020B0609020204030204" pitchFamily="49" charset="0"/>
               </a:rPr>
-              <a:t>&amp;time=&lt;</a:t>
+              <a:t>&gt;&amp;time=&lt;</a:t>
             </a:r>
             <a:r>
               <a:rPr lang="ru-RU" dirty="0">
                 <a:latin typeface="Consolas" panose="020B0609020204030204" pitchFamily="49" charset="0"/>
               </a:rPr>
-              <a:t>время начала пролета</a:t>
+              <a:t>интересующее время, </a:t>
             </a:r>
             <a:r>
               <a:rPr lang="en-US" dirty="0">
                 <a:latin typeface="Consolas" panose="020B0609020204030204" pitchFamily="49" charset="0"/>
               </a:rPr>
-              <a:t>&gt; </a:t>
+              <a:t>UTC</a:t>
+            </a:r>
+            <a:r>
+              <a:rPr lang="ru-RU" dirty="0">
+                <a:latin typeface="Consolas" panose="020B0609020204030204" pitchFamily="49" charset="0"/>
+              </a:rPr>
+              <a:t> (опционально)</a:t>
+            </a:r>
+            <a:r>
+              <a:rPr lang="en-US" dirty="0">
+                <a:latin typeface="Consolas" panose="020B0609020204030204" pitchFamily="49" charset="0"/>
+              </a:rPr>
+              <a:t>&gt;</a:t>
             </a:r>
           </a:p>
           <a:p>
